--- a/Azure Data Platform.pptx
+++ b/Azure Data Platform.pptx
@@ -9,10 +9,6 @@
     <p:sldId id="257" r:id="rId3"/>
     <p:sldId id="258" r:id="rId4"/>
     <p:sldId id="259" r:id="rId5"/>
-    <p:sldId id="260" r:id="rId6"/>
-    <p:sldId id="261" r:id="rId7"/>
-    <p:sldId id="262" r:id="rId8"/>
-    <p:sldId id="263" r:id="rId9"/>
   </p:sldIdLst>
   <p:sldSz cx="12192000" cy="6858000"/>
   <p:notesSz cx="6858000" cy="9144000"/>
@@ -3728,446 +3724,6 @@
     <p:extLst>
       <p:ext uri="{BB962C8B-B14F-4D97-AF65-F5344CB8AC3E}">
         <p14:creationId xmlns:p14="http://schemas.microsoft.com/office/powerpoint/2010/main" val="4079820710"/>
-      </p:ext>
-    </p:extLst>
-  </p:cSld>
-  <p:clrMapOvr>
-    <a:masterClrMapping/>
-  </p:clrMapOvr>
-</p:sld>
-</file>
-
-<file path=ppt/slides/slide5.xml><?xml version="1.0" encoding="utf-8"?>
-<p:sld xmlns:a="http://schemas.openxmlformats.org/drawingml/2006/main" xmlns:r="http://schemas.openxmlformats.org/officeDocument/2006/relationships" xmlns:p="http://schemas.openxmlformats.org/presentationml/2006/main">
-  <p:cSld>
-    <p:spTree>
-      <p:nvGrpSpPr>
-        <p:cNvPr id="1" name=""/>
-        <p:cNvGrpSpPr/>
-        <p:nvPr/>
-      </p:nvGrpSpPr>
-      <p:grpSpPr>
-        <a:xfrm>
-          <a:off x="0" y="0"/>
-          <a:ext cx="0" cy="0"/>
-          <a:chOff x="0" y="0"/>
-          <a:chExt cx="0" cy="0"/>
-        </a:xfrm>
-      </p:grpSpPr>
-      <p:sp>
-        <p:nvSpPr>
-          <p:cNvPr id="2" name="Title 1">
-            <a:extLst>
-              <a:ext uri="{FF2B5EF4-FFF2-40B4-BE49-F238E27FC236}">
-                <a16:creationId xmlns:a16="http://schemas.microsoft.com/office/drawing/2014/main" id="{B138424B-F2AD-6532-4074-E5167ADE98B8}"/>
-              </a:ext>
-            </a:extLst>
-          </p:cNvPr>
-          <p:cNvSpPr>
-            <a:spLocks noGrp="1"/>
-          </p:cNvSpPr>
-          <p:nvPr>
-            <p:ph type="title"/>
-          </p:nvPr>
-        </p:nvSpPr>
-        <p:spPr/>
-        <p:txBody>
-          <a:bodyPr/>
-          <a:lstStyle/>
-          <a:p>
-            <a:endParaRPr lang="en-US"/>
-          </a:p>
-        </p:txBody>
-      </p:sp>
-      <p:sp>
-        <p:nvSpPr>
-          <p:cNvPr id="3" name="Content Placeholder 2">
-            <a:extLst>
-              <a:ext uri="{FF2B5EF4-FFF2-40B4-BE49-F238E27FC236}">
-                <a16:creationId xmlns:a16="http://schemas.microsoft.com/office/drawing/2014/main" id="{B578A493-0DFD-BAF8-8D0E-EE3A6BD14E1C}"/>
-              </a:ext>
-            </a:extLst>
-          </p:cNvPr>
-          <p:cNvSpPr>
-            <a:spLocks noGrp="1"/>
-          </p:cNvSpPr>
-          <p:nvPr>
-            <p:ph idx="1"/>
-          </p:nvPr>
-        </p:nvSpPr>
-        <p:spPr/>
-        <p:txBody>
-          <a:bodyPr/>
-          <a:lstStyle/>
-          <a:p>
-            <a:endParaRPr lang="en-US"/>
-          </a:p>
-        </p:txBody>
-      </p:sp>
-      <p:pic>
-        <p:nvPicPr>
-          <p:cNvPr id="5" name="Picture 4">
-            <a:extLst>
-              <a:ext uri="{FF2B5EF4-FFF2-40B4-BE49-F238E27FC236}">
-                <a16:creationId xmlns:a16="http://schemas.microsoft.com/office/drawing/2014/main" id="{2D15DD7D-3739-83F3-71E8-2C4C69AF3491}"/>
-              </a:ext>
-            </a:extLst>
-          </p:cNvPr>
-          <p:cNvPicPr>
-            <a:picLocks noChangeAspect="1"/>
-          </p:cNvPicPr>
-          <p:nvPr/>
-        </p:nvPicPr>
-        <p:blipFill>
-          <a:blip r:embed="rId2"/>
-          <a:stretch>
-            <a:fillRect/>
-          </a:stretch>
-        </p:blipFill>
-        <p:spPr>
-          <a:xfrm>
-            <a:off x="0" y="208971"/>
-            <a:ext cx="12192000" cy="6440058"/>
-          </a:xfrm>
-          <a:prstGeom prst="rect">
-            <a:avLst/>
-          </a:prstGeom>
-        </p:spPr>
-      </p:pic>
-    </p:spTree>
-    <p:extLst>
-      <p:ext uri="{BB962C8B-B14F-4D97-AF65-F5344CB8AC3E}">
-        <p14:creationId xmlns:p14="http://schemas.microsoft.com/office/powerpoint/2010/main" val="1975945322"/>
-      </p:ext>
-    </p:extLst>
-  </p:cSld>
-  <p:clrMapOvr>
-    <a:masterClrMapping/>
-  </p:clrMapOvr>
-</p:sld>
-</file>
-
-<file path=ppt/slides/slide6.xml><?xml version="1.0" encoding="utf-8"?>
-<p:sld xmlns:a="http://schemas.openxmlformats.org/drawingml/2006/main" xmlns:r="http://schemas.openxmlformats.org/officeDocument/2006/relationships" xmlns:p="http://schemas.openxmlformats.org/presentationml/2006/main">
-  <p:cSld>
-    <p:spTree>
-      <p:nvGrpSpPr>
-        <p:cNvPr id="1" name=""/>
-        <p:cNvGrpSpPr/>
-        <p:nvPr/>
-      </p:nvGrpSpPr>
-      <p:grpSpPr>
-        <a:xfrm>
-          <a:off x="0" y="0"/>
-          <a:ext cx="0" cy="0"/>
-          <a:chOff x="0" y="0"/>
-          <a:chExt cx="0" cy="0"/>
-        </a:xfrm>
-      </p:grpSpPr>
-      <p:sp>
-        <p:nvSpPr>
-          <p:cNvPr id="2" name="Title 1">
-            <a:extLst>
-              <a:ext uri="{FF2B5EF4-FFF2-40B4-BE49-F238E27FC236}">
-                <a16:creationId xmlns:a16="http://schemas.microsoft.com/office/drawing/2014/main" id="{E3656068-31AE-4A73-56B1-944735E87926}"/>
-              </a:ext>
-            </a:extLst>
-          </p:cNvPr>
-          <p:cNvSpPr>
-            <a:spLocks noGrp="1"/>
-          </p:cNvSpPr>
-          <p:nvPr>
-            <p:ph type="title"/>
-          </p:nvPr>
-        </p:nvSpPr>
-        <p:spPr/>
-        <p:txBody>
-          <a:bodyPr/>
-          <a:lstStyle/>
-          <a:p>
-            <a:endParaRPr lang="en-US"/>
-          </a:p>
-        </p:txBody>
-      </p:sp>
-      <p:sp>
-        <p:nvSpPr>
-          <p:cNvPr id="3" name="Content Placeholder 2">
-            <a:extLst>
-              <a:ext uri="{FF2B5EF4-FFF2-40B4-BE49-F238E27FC236}">
-                <a16:creationId xmlns:a16="http://schemas.microsoft.com/office/drawing/2014/main" id="{804E3CA2-7820-4EBB-0D85-C05069926CD8}"/>
-              </a:ext>
-            </a:extLst>
-          </p:cNvPr>
-          <p:cNvSpPr>
-            <a:spLocks noGrp="1"/>
-          </p:cNvSpPr>
-          <p:nvPr>
-            <p:ph idx="1"/>
-          </p:nvPr>
-        </p:nvSpPr>
-        <p:spPr/>
-        <p:txBody>
-          <a:bodyPr/>
-          <a:lstStyle/>
-          <a:p>
-            <a:endParaRPr lang="en-US"/>
-          </a:p>
-        </p:txBody>
-      </p:sp>
-      <p:pic>
-        <p:nvPicPr>
-          <p:cNvPr id="5" name="Picture 4">
-            <a:extLst>
-              <a:ext uri="{FF2B5EF4-FFF2-40B4-BE49-F238E27FC236}">
-                <a16:creationId xmlns:a16="http://schemas.microsoft.com/office/drawing/2014/main" id="{7C5030DB-31B8-3B5D-BF38-B28C349E0F9F}"/>
-              </a:ext>
-            </a:extLst>
-          </p:cNvPr>
-          <p:cNvPicPr>
-            <a:picLocks noChangeAspect="1"/>
-          </p:cNvPicPr>
-          <p:nvPr/>
-        </p:nvPicPr>
-        <p:blipFill>
-          <a:blip r:embed="rId2"/>
-          <a:stretch>
-            <a:fillRect/>
-          </a:stretch>
-        </p:blipFill>
-        <p:spPr>
-          <a:xfrm>
-            <a:off x="0" y="9939"/>
-            <a:ext cx="12192000" cy="6838122"/>
-          </a:xfrm>
-          <a:prstGeom prst="rect">
-            <a:avLst/>
-          </a:prstGeom>
-        </p:spPr>
-      </p:pic>
-    </p:spTree>
-    <p:extLst>
-      <p:ext uri="{BB962C8B-B14F-4D97-AF65-F5344CB8AC3E}">
-        <p14:creationId xmlns:p14="http://schemas.microsoft.com/office/powerpoint/2010/main" val="2171886401"/>
-      </p:ext>
-    </p:extLst>
-  </p:cSld>
-  <p:clrMapOvr>
-    <a:masterClrMapping/>
-  </p:clrMapOvr>
-</p:sld>
-</file>
-
-<file path=ppt/slides/slide7.xml><?xml version="1.0" encoding="utf-8"?>
-<p:sld xmlns:a="http://schemas.openxmlformats.org/drawingml/2006/main" xmlns:r="http://schemas.openxmlformats.org/officeDocument/2006/relationships" xmlns:p="http://schemas.openxmlformats.org/presentationml/2006/main">
-  <p:cSld>
-    <p:spTree>
-      <p:nvGrpSpPr>
-        <p:cNvPr id="1" name=""/>
-        <p:cNvGrpSpPr/>
-        <p:nvPr/>
-      </p:nvGrpSpPr>
-      <p:grpSpPr>
-        <a:xfrm>
-          <a:off x="0" y="0"/>
-          <a:ext cx="0" cy="0"/>
-          <a:chOff x="0" y="0"/>
-          <a:chExt cx="0" cy="0"/>
-        </a:xfrm>
-      </p:grpSpPr>
-      <p:sp>
-        <p:nvSpPr>
-          <p:cNvPr id="2" name="Title 1">
-            <a:extLst>
-              <a:ext uri="{FF2B5EF4-FFF2-40B4-BE49-F238E27FC236}">
-                <a16:creationId xmlns:a16="http://schemas.microsoft.com/office/drawing/2014/main" id="{97B1DFBC-0D9E-366D-C02A-659B3E36D3A2}"/>
-              </a:ext>
-            </a:extLst>
-          </p:cNvPr>
-          <p:cNvSpPr>
-            <a:spLocks noGrp="1"/>
-          </p:cNvSpPr>
-          <p:nvPr>
-            <p:ph type="title"/>
-          </p:nvPr>
-        </p:nvSpPr>
-        <p:spPr/>
-        <p:txBody>
-          <a:bodyPr/>
-          <a:lstStyle/>
-          <a:p>
-            <a:endParaRPr lang="en-US"/>
-          </a:p>
-        </p:txBody>
-      </p:sp>
-      <p:sp>
-        <p:nvSpPr>
-          <p:cNvPr id="3" name="Content Placeholder 2">
-            <a:extLst>
-              <a:ext uri="{FF2B5EF4-FFF2-40B4-BE49-F238E27FC236}">
-                <a16:creationId xmlns:a16="http://schemas.microsoft.com/office/drawing/2014/main" id="{3E71464F-D69E-A222-C2F1-03C98FA4FABB}"/>
-              </a:ext>
-            </a:extLst>
-          </p:cNvPr>
-          <p:cNvSpPr>
-            <a:spLocks noGrp="1"/>
-          </p:cNvSpPr>
-          <p:nvPr>
-            <p:ph idx="1"/>
-          </p:nvPr>
-        </p:nvSpPr>
-        <p:spPr/>
-        <p:txBody>
-          <a:bodyPr/>
-          <a:lstStyle/>
-          <a:p>
-            <a:endParaRPr lang="en-US"/>
-          </a:p>
-        </p:txBody>
-      </p:sp>
-      <p:pic>
-        <p:nvPicPr>
-          <p:cNvPr id="5" name="Picture 4">
-            <a:extLst>
-              <a:ext uri="{FF2B5EF4-FFF2-40B4-BE49-F238E27FC236}">
-                <a16:creationId xmlns:a16="http://schemas.microsoft.com/office/drawing/2014/main" id="{67B8D5E9-A669-68E9-EE53-74D54B293EC9}"/>
-              </a:ext>
-            </a:extLst>
-          </p:cNvPr>
-          <p:cNvPicPr>
-            <a:picLocks noChangeAspect="1"/>
-          </p:cNvPicPr>
-          <p:nvPr/>
-        </p:nvPicPr>
-        <p:blipFill>
-          <a:blip r:embed="rId2"/>
-          <a:stretch>
-            <a:fillRect/>
-          </a:stretch>
-        </p:blipFill>
-        <p:spPr>
-          <a:xfrm>
-            <a:off x="67088" y="0"/>
-            <a:ext cx="12057824" cy="6858000"/>
-          </a:xfrm>
-          <a:prstGeom prst="rect">
-            <a:avLst/>
-          </a:prstGeom>
-        </p:spPr>
-      </p:pic>
-    </p:spTree>
-    <p:extLst>
-      <p:ext uri="{BB962C8B-B14F-4D97-AF65-F5344CB8AC3E}">
-        <p14:creationId xmlns:p14="http://schemas.microsoft.com/office/powerpoint/2010/main" val="2705978337"/>
-      </p:ext>
-    </p:extLst>
-  </p:cSld>
-  <p:clrMapOvr>
-    <a:masterClrMapping/>
-  </p:clrMapOvr>
-</p:sld>
-</file>
-
-<file path=ppt/slides/slide8.xml><?xml version="1.0" encoding="utf-8"?>
-<p:sld xmlns:a="http://schemas.openxmlformats.org/drawingml/2006/main" xmlns:r="http://schemas.openxmlformats.org/officeDocument/2006/relationships" xmlns:p="http://schemas.openxmlformats.org/presentationml/2006/main">
-  <p:cSld>
-    <p:spTree>
-      <p:nvGrpSpPr>
-        <p:cNvPr id="1" name=""/>
-        <p:cNvGrpSpPr/>
-        <p:nvPr/>
-      </p:nvGrpSpPr>
-      <p:grpSpPr>
-        <a:xfrm>
-          <a:off x="0" y="0"/>
-          <a:ext cx="0" cy="0"/>
-          <a:chOff x="0" y="0"/>
-          <a:chExt cx="0" cy="0"/>
-        </a:xfrm>
-      </p:grpSpPr>
-      <p:sp>
-        <p:nvSpPr>
-          <p:cNvPr id="2" name="Title 1">
-            <a:extLst>
-              <a:ext uri="{FF2B5EF4-FFF2-40B4-BE49-F238E27FC236}">
-                <a16:creationId xmlns:a16="http://schemas.microsoft.com/office/drawing/2014/main" id="{2D862362-CDF0-E1E2-AA17-68BAE4446150}"/>
-              </a:ext>
-            </a:extLst>
-          </p:cNvPr>
-          <p:cNvSpPr>
-            <a:spLocks noGrp="1"/>
-          </p:cNvSpPr>
-          <p:nvPr>
-            <p:ph type="title"/>
-          </p:nvPr>
-        </p:nvSpPr>
-        <p:spPr/>
-        <p:txBody>
-          <a:bodyPr/>
-          <a:lstStyle/>
-          <a:p>
-            <a:endParaRPr lang="en-US"/>
-          </a:p>
-        </p:txBody>
-      </p:sp>
-      <p:sp>
-        <p:nvSpPr>
-          <p:cNvPr id="3" name="Content Placeholder 2">
-            <a:extLst>
-              <a:ext uri="{FF2B5EF4-FFF2-40B4-BE49-F238E27FC236}">
-                <a16:creationId xmlns:a16="http://schemas.microsoft.com/office/drawing/2014/main" id="{9FCB5B7C-DC93-9BAE-434D-27D4A2078743}"/>
-              </a:ext>
-            </a:extLst>
-          </p:cNvPr>
-          <p:cNvSpPr>
-            <a:spLocks noGrp="1"/>
-          </p:cNvSpPr>
-          <p:nvPr>
-            <p:ph idx="1"/>
-          </p:nvPr>
-        </p:nvSpPr>
-        <p:spPr/>
-        <p:txBody>
-          <a:bodyPr/>
-          <a:lstStyle/>
-          <a:p>
-            <a:endParaRPr lang="en-US"/>
-          </a:p>
-        </p:txBody>
-      </p:sp>
-      <p:pic>
-        <p:nvPicPr>
-          <p:cNvPr id="5" name="Picture 4">
-            <a:extLst>
-              <a:ext uri="{FF2B5EF4-FFF2-40B4-BE49-F238E27FC236}">
-                <a16:creationId xmlns:a16="http://schemas.microsoft.com/office/drawing/2014/main" id="{5C246A05-234B-8EE3-0CC2-1C8BEB5FCF31}"/>
-              </a:ext>
-            </a:extLst>
-          </p:cNvPr>
-          <p:cNvPicPr>
-            <a:picLocks noChangeAspect="1"/>
-          </p:cNvPicPr>
-          <p:nvPr/>
-        </p:nvPicPr>
-        <p:blipFill>
-          <a:blip r:embed="rId2"/>
-          <a:stretch>
-            <a:fillRect/>
-          </a:stretch>
-        </p:blipFill>
-        <p:spPr>
-          <a:xfrm>
-            <a:off x="0" y="39888"/>
-            <a:ext cx="12192000" cy="6778224"/>
-          </a:xfrm>
-          <a:prstGeom prst="rect">
-            <a:avLst/>
-          </a:prstGeom>
-        </p:spPr>
-      </p:pic>
-    </p:spTree>
-    <p:extLst>
-      <p:ext uri="{BB962C8B-B14F-4D97-AF65-F5344CB8AC3E}">
-        <p14:creationId xmlns:p14="http://schemas.microsoft.com/office/powerpoint/2010/main" val="3903739924"/>
       </p:ext>
     </p:extLst>
   </p:cSld>
